--- a/articles/assets/pptx/ph_with_table.pptx
+++ b/articles/assets/pptx/ph_with_table.pptx
@@ -3259,7 +3259,7 @@
                     <a:lstStyle/>
                     <a:p>
                       <a:r>
-                        <a:t>21</a:t>
+                        <a:t>21.0</a:t>
                       </a:r>
                     </a:p>
                   </a:txBody>
@@ -3303,18 +3303,18 @@
                     <a:lstStyle/>
                     <a:p>
                       <a:r>
-                        <a:t>3.9</a:t>
-                      </a:r>
-                    </a:p>
-                  </a:txBody>
-                </a:tc>
-                <a:tc>
-                  <a:txBody>
-                    <a:bodyPr/>
-                    <a:lstStyle/>
-                    <a:p>
-                      <a:r>
-                        <a:t>2.62</a:t>
+                        <a:t>3.90</a:t>
+                      </a:r>
+                    </a:p>
+                  </a:txBody>
+                </a:tc>
+                <a:tc>
+                  <a:txBody>
+                    <a:bodyPr/>
+                    <a:lstStyle/>
+                    <a:p>
+                      <a:r>
+                        <a:t>2.620</a:t>
                       </a:r>
                     </a:p>
                   </a:txBody>
@@ -3382,7 +3382,7 @@
                     <a:lstStyle/>
                     <a:p>
                       <a:r>
-                        <a:t>21</a:t>
+                        <a:t>21.0</a:t>
                       </a:r>
                     </a:p>
                   </a:txBody>
@@ -3426,7 +3426,7 @@
                     <a:lstStyle/>
                     <a:p>
                       <a:r>
-                        <a:t>3.9</a:t>
+                        <a:t>3.90</a:t>
                       </a:r>
                     </a:p>
                   </a:txBody>
@@ -3560,7 +3560,7 @@
                     <a:lstStyle/>
                     <a:p>
                       <a:r>
-                        <a:t>2.32</a:t>
+                        <a:t>2.320</a:t>
                       </a:r>
                     </a:p>
                   </a:txBody>
@@ -3806,7 +3806,7 @@
                     <a:lstStyle/>
                     <a:p>
                       <a:r>
-                        <a:t>3.44</a:t>
+                        <a:t>3.440</a:t>
                       </a:r>
                     </a:p>
                   </a:txBody>
@@ -3929,7 +3929,7 @@
                     <a:lstStyle/>
                     <a:p>
                       <a:r>
-                        <a:t>3.46</a:t>
+                        <a:t>3.460</a:t>
                       </a:r>
                     </a:p>
                   </a:txBody>

--- a/articles/assets/pptx/ph_with_table.pptx
+++ b/articles/assets/pptx/ph_with_table.pptx
@@ -5,12 +5,12 @@
     <p:sldMasterId id="2147483648" r:id="rId1"/>
   </p:sldMasterIdLst>
   <p:sldIdLst xmlns:a="http://schemas.openxmlformats.org/drawingml/2006/main" xmlns:r="http://schemas.openxmlformats.org/officeDocument/2006/relationships" xmlns:p="http://schemas.openxmlformats.org/presentationml/2006/main">
-    <p:sldId id="256" r:id="rId7"/>
+    <p:sldId id="256" r:id="rId8"/>
   </p:sldIdLst>
   <p:sldSz cx="9144000" cy="6858000" type="screen4x3"/>
   <p:notesSz cx="6858000" cy="9144000"/>
   <p:custDataLst>
-    <p:tags r:id="rId2"/>
+    <p:tags r:id="rId3"/>
   </p:custDataLst>
   <p:defaultTextStyle>
     <a:defPPr>
@@ -291,7 +291,7 @@
           <a:p>
             <a:fld id="{E6744CE3-0875-4B69-89C0-6F72D8139561}" type="datetimeFigureOut">
               <a:rPr lang="en-GB" smtClean="0"/>
-              <a:t>13/02/2017</a:t>
+              <a:t>10/04/17</a:t>
             </a:fld>
             <a:endParaRPr lang="en-GB"/>
           </a:p>
@@ -461,7 +461,7 @@
           <a:p>
             <a:fld id="{E6744CE3-0875-4B69-89C0-6F72D8139561}" type="datetimeFigureOut">
               <a:rPr lang="en-GB" smtClean="0"/>
-              <a:t>13/02/2017</a:t>
+              <a:t>10/04/17</a:t>
             </a:fld>
             <a:endParaRPr lang="en-GB"/>
           </a:p>
@@ -641,7 +641,7 @@
           <a:p>
             <a:fld id="{E6744CE3-0875-4B69-89C0-6F72D8139561}" type="datetimeFigureOut">
               <a:rPr lang="en-GB" smtClean="0"/>
-              <a:t>13/02/2017</a:t>
+              <a:t>10/04/17</a:t>
             </a:fld>
             <a:endParaRPr lang="en-GB"/>
           </a:p>
@@ -811,7 +811,7 @@
           <a:p>
             <a:fld id="{E6744CE3-0875-4B69-89C0-6F72D8139561}" type="datetimeFigureOut">
               <a:rPr lang="en-GB" smtClean="0"/>
-              <a:t>13/02/2017</a:t>
+              <a:t>10/04/17</a:t>
             </a:fld>
             <a:endParaRPr lang="en-GB"/>
           </a:p>
@@ -1057,7 +1057,7 @@
           <a:p>
             <a:fld id="{E6744CE3-0875-4B69-89C0-6F72D8139561}" type="datetimeFigureOut">
               <a:rPr lang="en-GB" smtClean="0"/>
-              <a:t>13/02/2017</a:t>
+              <a:t>10/04/17</a:t>
             </a:fld>
             <a:endParaRPr lang="en-GB"/>
           </a:p>
@@ -1345,7 +1345,7 @@
           <a:p>
             <a:fld id="{E6744CE3-0875-4B69-89C0-6F72D8139561}" type="datetimeFigureOut">
               <a:rPr lang="en-GB" smtClean="0"/>
-              <a:t>13/02/2017</a:t>
+              <a:t>10/04/17</a:t>
             </a:fld>
             <a:endParaRPr lang="en-GB"/>
           </a:p>
@@ -1767,7 +1767,7 @@
           <a:p>
             <a:fld id="{E6744CE3-0875-4B69-89C0-6F72D8139561}" type="datetimeFigureOut">
               <a:rPr lang="en-GB" smtClean="0"/>
-              <a:t>13/02/2017</a:t>
+              <a:t>10/04/17</a:t>
             </a:fld>
             <a:endParaRPr lang="en-GB"/>
           </a:p>
@@ -1885,7 +1885,7 @@
           <a:p>
             <a:fld id="{E6744CE3-0875-4B69-89C0-6F72D8139561}" type="datetimeFigureOut">
               <a:rPr lang="en-GB" smtClean="0"/>
-              <a:t>13/02/2017</a:t>
+              <a:t>10/04/17</a:t>
             </a:fld>
             <a:endParaRPr lang="en-GB"/>
           </a:p>
@@ -1980,7 +1980,7 @@
           <a:p>
             <a:fld id="{E6744CE3-0875-4B69-89C0-6F72D8139561}" type="datetimeFigureOut">
               <a:rPr lang="en-GB" smtClean="0"/>
-              <a:t>13/02/2017</a:t>
+              <a:t>10/04/17</a:t>
             </a:fld>
             <a:endParaRPr lang="en-GB"/>
           </a:p>
@@ -2257,7 +2257,7 @@
           <a:p>
             <a:fld id="{E6744CE3-0875-4B69-89C0-6F72D8139561}" type="datetimeFigureOut">
               <a:rPr lang="en-GB" smtClean="0"/>
-              <a:t>13/02/2017</a:t>
+              <a:t>10/04/17</a:t>
             </a:fld>
             <a:endParaRPr lang="en-GB"/>
           </a:p>
@@ -2510,7 +2510,7 @@
           <a:p>
             <a:fld id="{E6744CE3-0875-4B69-89C0-6F72D8139561}" type="datetimeFigureOut">
               <a:rPr lang="en-GB" smtClean="0"/>
-              <a:t>13/02/2017</a:t>
+              <a:t>10/04/17</a:t>
             </a:fld>
             <a:endParaRPr lang="en-GB"/>
           </a:p>
@@ -2723,7 +2723,7 @@
           <a:p>
             <a:fld id="{E6744CE3-0875-4B69-89C0-6F72D8139561}" type="datetimeFigureOut">
               <a:rPr lang="en-GB" smtClean="0"/>
-              <a:t>13/02/2017</a:t>
+              <a:t>10/04/17</a:t>
             </a:fld>
             <a:endParaRPr lang="en-GB"/>
           </a:p>

--- a/articles/assets/pptx/ph_with_table.pptx
+++ b/articles/assets/pptx/ph_with_table.pptx
@@ -291,7 +291,7 @@
           <a:p>
             <a:fld id="{E6744CE3-0875-4B69-89C0-6F72D8139561}" type="datetimeFigureOut">
               <a:rPr lang="en-GB" smtClean="0"/>
-              <a:t>10/04/17</a:t>
+              <a:t>26/05/17</a:t>
             </a:fld>
             <a:endParaRPr lang="en-GB"/>
           </a:p>
@@ -343,356 +343,6 @@
     <p:extLst>
       <p:ext uri="{BB962C8B-B14F-4D97-AF65-F5344CB8AC3E}">
         <p14:creationId xmlns:p14="http://schemas.microsoft.com/office/powerpoint/2010/main" val="4214881138"/>
-      </p:ext>
-    </p:extLst>
-  </p:cSld>
-  <p:clrMapOvr>
-    <a:masterClrMapping/>
-  </p:clrMapOvr>
-</p:sldLayout>
-</file>
-
-<file path=ppt/slideLayouts/slideLayout10.xml><?xml version="1.0" encoding="utf-8"?>
-<p:sldLayout xmlns:a="http://schemas.openxmlformats.org/drawingml/2006/main" xmlns:r="http://schemas.openxmlformats.org/officeDocument/2006/relationships" xmlns:p="http://schemas.openxmlformats.org/presentationml/2006/main" type="vertTx" preserve="1">
-  <p:cSld name="Title and Vertical Text">
-    <p:spTree>
-      <p:nvGrpSpPr>
-        <p:cNvPr id="1" name=""/>
-        <p:cNvGrpSpPr/>
-        <p:nvPr/>
-      </p:nvGrpSpPr>
-      <p:grpSpPr>
-        <a:xfrm>
-          <a:off x="0" y="0"/>
-          <a:ext cx="0" cy="0"/>
-          <a:chOff x="0" y="0"/>
-          <a:chExt cx="0" cy="0"/>
-        </a:xfrm>
-      </p:grpSpPr>
-      <p:sp>
-        <p:nvSpPr>
-          <p:cNvPr id="2" name="Title 1"/>
-          <p:cNvSpPr>
-            <a:spLocks noGrp="1"/>
-          </p:cNvSpPr>
-          <p:nvPr>
-            <p:ph type="title"/>
-          </p:nvPr>
-        </p:nvSpPr>
-        <p:spPr/>
-        <p:txBody>
-          <a:bodyPr/>
-          <a:lstStyle/>
-          <a:p>
-            <a:r>
-              <a:rPr lang="en-US" smtClean="0"/>
-              <a:t>Click to edit Master title style</a:t>
-            </a:r>
-            <a:endParaRPr lang="en-GB"/>
-          </a:p>
-        </p:txBody>
-      </p:sp>
-      <p:sp>
-        <p:nvSpPr>
-          <p:cNvPr id="3" name="Vertical Text Placeholder 2"/>
-          <p:cNvSpPr>
-            <a:spLocks noGrp="1"/>
-          </p:cNvSpPr>
-          <p:nvPr>
-            <p:ph type="body" orient="vert" idx="1"/>
-          </p:nvPr>
-        </p:nvSpPr>
-        <p:spPr/>
-        <p:txBody>
-          <a:bodyPr vert="eaVert"/>
-          <a:lstStyle/>
-          <a:p>
-            <a:pPr lvl="0"/>
-            <a:r>
-              <a:rPr lang="en-US" smtClean="0"/>
-              <a:t>Click to edit Master text styles</a:t>
-            </a:r>
-          </a:p>
-          <a:p>
-            <a:pPr lvl="1"/>
-            <a:r>
-              <a:rPr lang="en-US" smtClean="0"/>
-              <a:t>Second level</a:t>
-            </a:r>
-          </a:p>
-          <a:p>
-            <a:pPr lvl="2"/>
-            <a:r>
-              <a:rPr lang="en-US" smtClean="0"/>
-              <a:t>Third level</a:t>
-            </a:r>
-          </a:p>
-          <a:p>
-            <a:pPr lvl="3"/>
-            <a:r>
-              <a:rPr lang="en-US" smtClean="0"/>
-              <a:t>Fourth level</a:t>
-            </a:r>
-          </a:p>
-          <a:p>
-            <a:pPr lvl="4"/>
-            <a:r>
-              <a:rPr lang="en-US" smtClean="0"/>
-              <a:t>Fifth level</a:t>
-            </a:r>
-            <a:endParaRPr lang="en-GB"/>
-          </a:p>
-        </p:txBody>
-      </p:sp>
-      <p:sp>
-        <p:nvSpPr>
-          <p:cNvPr id="4" name="Date Placeholder 3"/>
-          <p:cNvSpPr>
-            <a:spLocks noGrp="1"/>
-          </p:cNvSpPr>
-          <p:nvPr>
-            <p:ph type="dt" sz="half" idx="10"/>
-          </p:nvPr>
-        </p:nvSpPr>
-        <p:spPr/>
-        <p:txBody>
-          <a:bodyPr/>
-          <a:lstStyle/>
-          <a:p>
-            <a:fld id="{E6744CE3-0875-4B69-89C0-6F72D8139561}" type="datetimeFigureOut">
-              <a:rPr lang="en-GB" smtClean="0"/>
-              <a:t>10/04/17</a:t>
-            </a:fld>
-            <a:endParaRPr lang="en-GB"/>
-          </a:p>
-        </p:txBody>
-      </p:sp>
-      <p:sp>
-        <p:nvSpPr>
-          <p:cNvPr id="5" name="Footer Placeholder 4"/>
-          <p:cNvSpPr>
-            <a:spLocks noGrp="1"/>
-          </p:cNvSpPr>
-          <p:nvPr>
-            <p:ph type="ftr" sz="quarter" idx="11"/>
-          </p:nvPr>
-        </p:nvSpPr>
-        <p:spPr/>
-        <p:txBody>
-          <a:bodyPr/>
-          <a:lstStyle/>
-          <a:p>
-            <a:endParaRPr lang="en-GB"/>
-          </a:p>
-        </p:txBody>
-      </p:sp>
-      <p:sp>
-        <p:nvSpPr>
-          <p:cNvPr id="6" name="Slide Number Placeholder 5"/>
-          <p:cNvSpPr>
-            <a:spLocks noGrp="1"/>
-          </p:cNvSpPr>
-          <p:nvPr>
-            <p:ph type="sldNum" sz="quarter" idx="12"/>
-          </p:nvPr>
-        </p:nvSpPr>
-        <p:spPr/>
-        <p:txBody>
-          <a:bodyPr/>
-          <a:lstStyle/>
-          <a:p>
-            <a:fld id="{8DADB20D-508E-4C6D-A9E4-257D5607B0F6}" type="slidenum">
-              <a:rPr lang="en-GB" smtClean="0"/>
-              <a:t>‹#›</a:t>
-            </a:fld>
-            <a:endParaRPr lang="en-GB"/>
-          </a:p>
-        </p:txBody>
-      </p:sp>
-    </p:spTree>
-    <p:extLst>
-      <p:ext uri="{BB962C8B-B14F-4D97-AF65-F5344CB8AC3E}">
-        <p14:creationId xmlns:p14="http://schemas.microsoft.com/office/powerpoint/2010/main" val="3354597055"/>
-      </p:ext>
-    </p:extLst>
-  </p:cSld>
-  <p:clrMapOvr>
-    <a:masterClrMapping/>
-  </p:clrMapOvr>
-</p:sldLayout>
-</file>
-
-<file path=ppt/slideLayouts/slideLayout11.xml><?xml version="1.0" encoding="utf-8"?>
-<p:sldLayout xmlns:a="http://schemas.openxmlformats.org/drawingml/2006/main" xmlns:r="http://schemas.openxmlformats.org/officeDocument/2006/relationships" xmlns:p="http://schemas.openxmlformats.org/presentationml/2006/main" type="vertTitleAndTx" preserve="1">
-  <p:cSld name="Vertical Title and Text">
-    <p:spTree>
-      <p:nvGrpSpPr>
-        <p:cNvPr id="1" name=""/>
-        <p:cNvGrpSpPr/>
-        <p:nvPr/>
-      </p:nvGrpSpPr>
-      <p:grpSpPr>
-        <a:xfrm>
-          <a:off x="0" y="0"/>
-          <a:ext cx="0" cy="0"/>
-          <a:chOff x="0" y="0"/>
-          <a:chExt cx="0" cy="0"/>
-        </a:xfrm>
-      </p:grpSpPr>
-      <p:sp>
-        <p:nvSpPr>
-          <p:cNvPr id="2" name="Vertical Title 1"/>
-          <p:cNvSpPr>
-            <a:spLocks noGrp="1"/>
-          </p:cNvSpPr>
-          <p:nvPr>
-            <p:ph type="title" orient="vert"/>
-          </p:nvPr>
-        </p:nvSpPr>
-        <p:spPr>
-          <a:xfrm>
-            <a:off x="6629400" y="274638"/>
-            <a:ext cx="2057400" cy="5851525"/>
-          </a:xfrm>
-        </p:spPr>
-        <p:txBody>
-          <a:bodyPr vert="eaVert"/>
-          <a:lstStyle/>
-          <a:p>
-            <a:r>
-              <a:rPr lang="en-US" smtClean="0"/>
-              <a:t>Click to edit Master title style</a:t>
-            </a:r>
-            <a:endParaRPr lang="en-GB"/>
-          </a:p>
-        </p:txBody>
-      </p:sp>
-      <p:sp>
-        <p:nvSpPr>
-          <p:cNvPr id="3" name="Vertical Text Placeholder 2"/>
-          <p:cNvSpPr>
-            <a:spLocks noGrp="1"/>
-          </p:cNvSpPr>
-          <p:nvPr>
-            <p:ph type="body" orient="vert" idx="1"/>
-          </p:nvPr>
-        </p:nvSpPr>
-        <p:spPr>
-          <a:xfrm>
-            <a:off x="457200" y="274638"/>
-            <a:ext cx="6019800" cy="5851525"/>
-          </a:xfrm>
-        </p:spPr>
-        <p:txBody>
-          <a:bodyPr vert="eaVert"/>
-          <a:lstStyle/>
-          <a:p>
-            <a:pPr lvl="0"/>
-            <a:r>
-              <a:rPr lang="en-US" smtClean="0"/>
-              <a:t>Click to edit Master text styles</a:t>
-            </a:r>
-          </a:p>
-          <a:p>
-            <a:pPr lvl="1"/>
-            <a:r>
-              <a:rPr lang="en-US" smtClean="0"/>
-              <a:t>Second level</a:t>
-            </a:r>
-          </a:p>
-          <a:p>
-            <a:pPr lvl="2"/>
-            <a:r>
-              <a:rPr lang="en-US" smtClean="0"/>
-              <a:t>Third level</a:t>
-            </a:r>
-          </a:p>
-          <a:p>
-            <a:pPr lvl="3"/>
-            <a:r>
-              <a:rPr lang="en-US" smtClean="0"/>
-              <a:t>Fourth level</a:t>
-            </a:r>
-          </a:p>
-          <a:p>
-            <a:pPr lvl="4"/>
-            <a:r>
-              <a:rPr lang="en-US" smtClean="0"/>
-              <a:t>Fifth level</a:t>
-            </a:r>
-            <a:endParaRPr lang="en-GB"/>
-          </a:p>
-        </p:txBody>
-      </p:sp>
-      <p:sp>
-        <p:nvSpPr>
-          <p:cNvPr id="4" name="Date Placeholder 3"/>
-          <p:cNvSpPr>
-            <a:spLocks noGrp="1"/>
-          </p:cNvSpPr>
-          <p:nvPr>
-            <p:ph type="dt" sz="half" idx="10"/>
-          </p:nvPr>
-        </p:nvSpPr>
-        <p:spPr/>
-        <p:txBody>
-          <a:bodyPr/>
-          <a:lstStyle/>
-          <a:p>
-            <a:fld id="{E6744CE3-0875-4B69-89C0-6F72D8139561}" type="datetimeFigureOut">
-              <a:rPr lang="en-GB" smtClean="0"/>
-              <a:t>10/04/17</a:t>
-            </a:fld>
-            <a:endParaRPr lang="en-GB"/>
-          </a:p>
-        </p:txBody>
-      </p:sp>
-      <p:sp>
-        <p:nvSpPr>
-          <p:cNvPr id="5" name="Footer Placeholder 4"/>
-          <p:cNvSpPr>
-            <a:spLocks noGrp="1"/>
-          </p:cNvSpPr>
-          <p:nvPr>
-            <p:ph type="ftr" sz="quarter" idx="11"/>
-          </p:nvPr>
-        </p:nvSpPr>
-        <p:spPr/>
-        <p:txBody>
-          <a:bodyPr/>
-          <a:lstStyle/>
-          <a:p>
-            <a:endParaRPr lang="en-GB"/>
-          </a:p>
-        </p:txBody>
-      </p:sp>
-      <p:sp>
-        <p:nvSpPr>
-          <p:cNvPr id="6" name="Slide Number Placeholder 5"/>
-          <p:cNvSpPr>
-            <a:spLocks noGrp="1"/>
-          </p:cNvSpPr>
-          <p:nvPr>
-            <p:ph type="sldNum" sz="quarter" idx="12"/>
-          </p:nvPr>
-        </p:nvSpPr>
-        <p:spPr/>
-        <p:txBody>
-          <a:bodyPr/>
-          <a:lstStyle/>
-          <a:p>
-            <a:fld id="{8DADB20D-508E-4C6D-A9E4-257D5607B0F6}" type="slidenum">
-              <a:rPr lang="en-GB" smtClean="0"/>
-              <a:t>‹#›</a:t>
-            </a:fld>
-            <a:endParaRPr lang="en-GB"/>
-          </a:p>
-        </p:txBody>
-      </p:sp>
-    </p:spTree>
-    <p:extLst>
-      <p:ext uri="{BB962C8B-B14F-4D97-AF65-F5344CB8AC3E}">
-        <p14:creationId xmlns:p14="http://schemas.microsoft.com/office/powerpoint/2010/main" val="555553771"/>
       </p:ext>
     </p:extLst>
   </p:cSld>
@@ -811,7 +461,7 @@
           <a:p>
             <a:fld id="{E6744CE3-0875-4B69-89C0-6F72D8139561}" type="datetimeFigureOut">
               <a:rPr lang="en-GB" smtClean="0"/>
-              <a:t>10/04/17</a:t>
+              <a:t>26/05/17</a:t>
             </a:fld>
             <a:endParaRPr lang="en-GB"/>
           </a:p>
@@ -1057,7 +707,7 @@
           <a:p>
             <a:fld id="{E6744CE3-0875-4B69-89C0-6F72D8139561}" type="datetimeFigureOut">
               <a:rPr lang="en-GB" smtClean="0"/>
-              <a:t>10/04/17</a:t>
+              <a:t>26/05/17</a:t>
             </a:fld>
             <a:endParaRPr lang="en-GB"/>
           </a:p>
@@ -1345,7 +995,7 @@
           <a:p>
             <a:fld id="{E6744CE3-0875-4B69-89C0-6F72D8139561}" type="datetimeFigureOut">
               <a:rPr lang="en-GB" smtClean="0"/>
-              <a:t>10/04/17</a:t>
+              <a:t>26/05/17</a:t>
             </a:fld>
             <a:endParaRPr lang="en-GB"/>
           </a:p>
@@ -1767,7 +1417,7 @@
           <a:p>
             <a:fld id="{E6744CE3-0875-4B69-89C0-6F72D8139561}" type="datetimeFigureOut">
               <a:rPr lang="en-GB" smtClean="0"/>
-              <a:t>10/04/17</a:t>
+              <a:t>26/05/17</a:t>
             </a:fld>
             <a:endParaRPr lang="en-GB"/>
           </a:p>
@@ -1885,7 +1535,7 @@
           <a:p>
             <a:fld id="{E6744CE3-0875-4B69-89C0-6F72D8139561}" type="datetimeFigureOut">
               <a:rPr lang="en-GB" smtClean="0"/>
-              <a:t>10/04/17</a:t>
+              <a:t>26/05/17</a:t>
             </a:fld>
             <a:endParaRPr lang="en-GB"/>
           </a:p>
@@ -1980,7 +1630,7 @@
           <a:p>
             <a:fld id="{E6744CE3-0875-4B69-89C0-6F72D8139561}" type="datetimeFigureOut">
               <a:rPr lang="en-GB" smtClean="0"/>
-              <a:t>10/04/17</a:t>
+              <a:t>26/05/17</a:t>
             </a:fld>
             <a:endParaRPr lang="en-GB"/>
           </a:p>
@@ -2032,536 +1682,6 @@
     <p:extLst>
       <p:ext uri="{BB962C8B-B14F-4D97-AF65-F5344CB8AC3E}">
         <p14:creationId xmlns:p14="http://schemas.microsoft.com/office/powerpoint/2010/main" val="2755996059"/>
-      </p:ext>
-    </p:extLst>
-  </p:cSld>
-  <p:clrMapOvr>
-    <a:masterClrMapping/>
-  </p:clrMapOvr>
-</p:sldLayout>
-</file>
-
-<file path=ppt/slideLayouts/slideLayout8.xml><?xml version="1.0" encoding="utf-8"?>
-<p:sldLayout xmlns:a="http://schemas.openxmlformats.org/drawingml/2006/main" xmlns:r="http://schemas.openxmlformats.org/officeDocument/2006/relationships" xmlns:p="http://schemas.openxmlformats.org/presentationml/2006/main" type="objTx" preserve="1">
-  <p:cSld name="Content with Caption">
-    <p:spTree>
-      <p:nvGrpSpPr>
-        <p:cNvPr id="1" name=""/>
-        <p:cNvGrpSpPr/>
-        <p:nvPr/>
-      </p:nvGrpSpPr>
-      <p:grpSpPr>
-        <a:xfrm>
-          <a:off x="0" y="0"/>
-          <a:ext cx="0" cy="0"/>
-          <a:chOff x="0" y="0"/>
-          <a:chExt cx="0" cy="0"/>
-        </a:xfrm>
-      </p:grpSpPr>
-      <p:sp>
-        <p:nvSpPr>
-          <p:cNvPr id="2" name="Title 1"/>
-          <p:cNvSpPr>
-            <a:spLocks noGrp="1"/>
-          </p:cNvSpPr>
-          <p:nvPr>
-            <p:ph type="title"/>
-          </p:nvPr>
-        </p:nvSpPr>
-        <p:spPr>
-          <a:xfrm>
-            <a:off x="457200" y="273050"/>
-            <a:ext cx="3008313" cy="1162050"/>
-          </a:xfrm>
-        </p:spPr>
-        <p:txBody>
-          <a:bodyPr anchor="b"/>
-          <a:lstStyle>
-            <a:lvl1pPr algn="l">
-              <a:defRPr sz="2000" b="1"/>
-            </a:lvl1pPr>
-          </a:lstStyle>
-          <a:p>
-            <a:r>
-              <a:rPr lang="en-US" smtClean="0"/>
-              <a:t>Click to edit Master title style</a:t>
-            </a:r>
-            <a:endParaRPr lang="en-GB"/>
-          </a:p>
-        </p:txBody>
-      </p:sp>
-      <p:sp>
-        <p:nvSpPr>
-          <p:cNvPr id="3" name="Content Placeholder 2"/>
-          <p:cNvSpPr>
-            <a:spLocks noGrp="1"/>
-          </p:cNvSpPr>
-          <p:nvPr>
-            <p:ph idx="1"/>
-          </p:nvPr>
-        </p:nvSpPr>
-        <p:spPr>
-          <a:xfrm>
-            <a:off x="3575050" y="273050"/>
-            <a:ext cx="5111750" cy="5853113"/>
-          </a:xfrm>
-        </p:spPr>
-        <p:txBody>
-          <a:bodyPr/>
-          <a:lstStyle>
-            <a:lvl1pPr>
-              <a:defRPr sz="3200"/>
-            </a:lvl1pPr>
-            <a:lvl2pPr>
-              <a:defRPr sz="2800"/>
-            </a:lvl2pPr>
-            <a:lvl3pPr>
-              <a:defRPr sz="2400"/>
-            </a:lvl3pPr>
-            <a:lvl4pPr>
-              <a:defRPr sz="2000"/>
-            </a:lvl4pPr>
-            <a:lvl5pPr>
-              <a:defRPr sz="2000"/>
-            </a:lvl5pPr>
-            <a:lvl6pPr>
-              <a:defRPr sz="2000"/>
-            </a:lvl6pPr>
-            <a:lvl7pPr>
-              <a:defRPr sz="2000"/>
-            </a:lvl7pPr>
-            <a:lvl8pPr>
-              <a:defRPr sz="2000"/>
-            </a:lvl8pPr>
-            <a:lvl9pPr>
-              <a:defRPr sz="2000"/>
-            </a:lvl9pPr>
-          </a:lstStyle>
-          <a:p>
-            <a:pPr lvl="0"/>
-            <a:r>
-              <a:rPr lang="en-US" smtClean="0"/>
-              <a:t>Click to edit Master text styles</a:t>
-            </a:r>
-          </a:p>
-          <a:p>
-            <a:pPr lvl="1"/>
-            <a:r>
-              <a:rPr lang="en-US" smtClean="0"/>
-              <a:t>Second level</a:t>
-            </a:r>
-          </a:p>
-          <a:p>
-            <a:pPr lvl="2"/>
-            <a:r>
-              <a:rPr lang="en-US" smtClean="0"/>
-              <a:t>Third level</a:t>
-            </a:r>
-          </a:p>
-          <a:p>
-            <a:pPr lvl="3"/>
-            <a:r>
-              <a:rPr lang="en-US" smtClean="0"/>
-              <a:t>Fourth level</a:t>
-            </a:r>
-          </a:p>
-          <a:p>
-            <a:pPr lvl="4"/>
-            <a:r>
-              <a:rPr lang="en-US" smtClean="0"/>
-              <a:t>Fifth level</a:t>
-            </a:r>
-            <a:endParaRPr lang="en-GB"/>
-          </a:p>
-        </p:txBody>
-      </p:sp>
-      <p:sp>
-        <p:nvSpPr>
-          <p:cNvPr id="4" name="Text Placeholder 3"/>
-          <p:cNvSpPr>
-            <a:spLocks noGrp="1"/>
-          </p:cNvSpPr>
-          <p:nvPr>
-            <p:ph type="body" sz="half" idx="2"/>
-          </p:nvPr>
-        </p:nvSpPr>
-        <p:spPr>
-          <a:xfrm>
-            <a:off x="457200" y="1435100"/>
-            <a:ext cx="3008313" cy="4691063"/>
-          </a:xfrm>
-        </p:spPr>
-        <p:txBody>
-          <a:bodyPr/>
-          <a:lstStyle>
-            <a:lvl1pPr marL="0" indent="0">
-              <a:buNone/>
-              <a:defRPr sz="1400"/>
-            </a:lvl1pPr>
-            <a:lvl2pPr marL="457200" indent="0">
-              <a:buNone/>
-              <a:defRPr sz="1200"/>
-            </a:lvl2pPr>
-            <a:lvl3pPr marL="914400" indent="0">
-              <a:buNone/>
-              <a:defRPr sz="1000"/>
-            </a:lvl3pPr>
-            <a:lvl4pPr marL="1371600" indent="0">
-              <a:buNone/>
-              <a:defRPr sz="900"/>
-            </a:lvl4pPr>
-            <a:lvl5pPr marL="1828800" indent="0">
-              <a:buNone/>
-              <a:defRPr sz="900"/>
-            </a:lvl5pPr>
-            <a:lvl6pPr marL="2286000" indent="0">
-              <a:buNone/>
-              <a:defRPr sz="900"/>
-            </a:lvl6pPr>
-            <a:lvl7pPr marL="2743200" indent="0">
-              <a:buNone/>
-              <a:defRPr sz="900"/>
-            </a:lvl7pPr>
-            <a:lvl8pPr marL="3200400" indent="0">
-              <a:buNone/>
-              <a:defRPr sz="900"/>
-            </a:lvl8pPr>
-            <a:lvl9pPr marL="3657600" indent="0">
-              <a:buNone/>
-              <a:defRPr sz="900"/>
-            </a:lvl9pPr>
-          </a:lstStyle>
-          <a:p>
-            <a:pPr lvl="0"/>
-            <a:r>
-              <a:rPr lang="en-US" smtClean="0"/>
-              <a:t>Click to edit Master text styles</a:t>
-            </a:r>
-          </a:p>
-        </p:txBody>
-      </p:sp>
-      <p:sp>
-        <p:nvSpPr>
-          <p:cNvPr id="5" name="Date Placeholder 4"/>
-          <p:cNvSpPr>
-            <a:spLocks noGrp="1"/>
-          </p:cNvSpPr>
-          <p:nvPr>
-            <p:ph type="dt" sz="half" idx="10"/>
-          </p:nvPr>
-        </p:nvSpPr>
-        <p:spPr/>
-        <p:txBody>
-          <a:bodyPr/>
-          <a:lstStyle/>
-          <a:p>
-            <a:fld id="{E6744CE3-0875-4B69-89C0-6F72D8139561}" type="datetimeFigureOut">
-              <a:rPr lang="en-GB" smtClean="0"/>
-              <a:t>10/04/17</a:t>
-            </a:fld>
-            <a:endParaRPr lang="en-GB"/>
-          </a:p>
-        </p:txBody>
-      </p:sp>
-      <p:sp>
-        <p:nvSpPr>
-          <p:cNvPr id="6" name="Footer Placeholder 5"/>
-          <p:cNvSpPr>
-            <a:spLocks noGrp="1"/>
-          </p:cNvSpPr>
-          <p:nvPr>
-            <p:ph type="ftr" sz="quarter" idx="11"/>
-          </p:nvPr>
-        </p:nvSpPr>
-        <p:spPr/>
-        <p:txBody>
-          <a:bodyPr/>
-          <a:lstStyle/>
-          <a:p>
-            <a:endParaRPr lang="en-GB"/>
-          </a:p>
-        </p:txBody>
-      </p:sp>
-      <p:sp>
-        <p:nvSpPr>
-          <p:cNvPr id="7" name="Slide Number Placeholder 6"/>
-          <p:cNvSpPr>
-            <a:spLocks noGrp="1"/>
-          </p:cNvSpPr>
-          <p:nvPr>
-            <p:ph type="sldNum" sz="quarter" idx="12"/>
-          </p:nvPr>
-        </p:nvSpPr>
-        <p:spPr/>
-        <p:txBody>
-          <a:bodyPr/>
-          <a:lstStyle/>
-          <a:p>
-            <a:fld id="{8DADB20D-508E-4C6D-A9E4-257D5607B0F6}" type="slidenum">
-              <a:rPr lang="en-GB" smtClean="0"/>
-              <a:t>‹#›</a:t>
-            </a:fld>
-            <a:endParaRPr lang="en-GB"/>
-          </a:p>
-        </p:txBody>
-      </p:sp>
-    </p:spTree>
-    <p:extLst>
-      <p:ext uri="{BB962C8B-B14F-4D97-AF65-F5344CB8AC3E}">
-        <p14:creationId xmlns:p14="http://schemas.microsoft.com/office/powerpoint/2010/main" val="1660925281"/>
-      </p:ext>
-    </p:extLst>
-  </p:cSld>
-  <p:clrMapOvr>
-    <a:masterClrMapping/>
-  </p:clrMapOvr>
-</p:sldLayout>
-</file>
-
-<file path=ppt/slideLayouts/slideLayout9.xml><?xml version="1.0" encoding="utf-8"?>
-<p:sldLayout xmlns:a="http://schemas.openxmlformats.org/drawingml/2006/main" xmlns:r="http://schemas.openxmlformats.org/officeDocument/2006/relationships" xmlns:p="http://schemas.openxmlformats.org/presentationml/2006/main" type="picTx" preserve="1">
-  <p:cSld name="Picture with Caption">
-    <p:spTree>
-      <p:nvGrpSpPr>
-        <p:cNvPr id="1" name=""/>
-        <p:cNvGrpSpPr/>
-        <p:nvPr/>
-      </p:nvGrpSpPr>
-      <p:grpSpPr>
-        <a:xfrm>
-          <a:off x="0" y="0"/>
-          <a:ext cx="0" cy="0"/>
-          <a:chOff x="0" y="0"/>
-          <a:chExt cx="0" cy="0"/>
-        </a:xfrm>
-      </p:grpSpPr>
-      <p:sp>
-        <p:nvSpPr>
-          <p:cNvPr id="2" name="Title 1"/>
-          <p:cNvSpPr>
-            <a:spLocks noGrp="1"/>
-          </p:cNvSpPr>
-          <p:nvPr>
-            <p:ph type="title"/>
-          </p:nvPr>
-        </p:nvSpPr>
-        <p:spPr>
-          <a:xfrm>
-            <a:off x="1792288" y="4800600"/>
-            <a:ext cx="5486400" cy="566738"/>
-          </a:xfrm>
-        </p:spPr>
-        <p:txBody>
-          <a:bodyPr anchor="b"/>
-          <a:lstStyle>
-            <a:lvl1pPr algn="l">
-              <a:defRPr sz="2000" b="1"/>
-            </a:lvl1pPr>
-          </a:lstStyle>
-          <a:p>
-            <a:r>
-              <a:rPr lang="en-US" smtClean="0"/>
-              <a:t>Click to edit Master title style</a:t>
-            </a:r>
-            <a:endParaRPr lang="en-GB"/>
-          </a:p>
-        </p:txBody>
-      </p:sp>
-      <p:sp>
-        <p:nvSpPr>
-          <p:cNvPr id="3" name="Picture Placeholder 2"/>
-          <p:cNvSpPr>
-            <a:spLocks noGrp="1"/>
-          </p:cNvSpPr>
-          <p:nvPr>
-            <p:ph type="pic" idx="1"/>
-          </p:nvPr>
-        </p:nvSpPr>
-        <p:spPr>
-          <a:xfrm>
-            <a:off x="1792288" y="612775"/>
-            <a:ext cx="5486400" cy="4114800"/>
-          </a:xfrm>
-        </p:spPr>
-        <p:txBody>
-          <a:bodyPr/>
-          <a:lstStyle>
-            <a:lvl1pPr marL="0" indent="0">
-              <a:buNone/>
-              <a:defRPr sz="3200"/>
-            </a:lvl1pPr>
-            <a:lvl2pPr marL="457200" indent="0">
-              <a:buNone/>
-              <a:defRPr sz="2800"/>
-            </a:lvl2pPr>
-            <a:lvl3pPr marL="914400" indent="0">
-              <a:buNone/>
-              <a:defRPr sz="2400"/>
-            </a:lvl3pPr>
-            <a:lvl4pPr marL="1371600" indent="0">
-              <a:buNone/>
-              <a:defRPr sz="2000"/>
-            </a:lvl4pPr>
-            <a:lvl5pPr marL="1828800" indent="0">
-              <a:buNone/>
-              <a:defRPr sz="2000"/>
-            </a:lvl5pPr>
-            <a:lvl6pPr marL="2286000" indent="0">
-              <a:buNone/>
-              <a:defRPr sz="2000"/>
-            </a:lvl6pPr>
-            <a:lvl7pPr marL="2743200" indent="0">
-              <a:buNone/>
-              <a:defRPr sz="2000"/>
-            </a:lvl7pPr>
-            <a:lvl8pPr marL="3200400" indent="0">
-              <a:buNone/>
-              <a:defRPr sz="2000"/>
-            </a:lvl8pPr>
-            <a:lvl9pPr marL="3657600" indent="0">
-              <a:buNone/>
-              <a:defRPr sz="2000"/>
-            </a:lvl9pPr>
-          </a:lstStyle>
-          <a:p>
-            <a:endParaRPr lang="en-GB"/>
-          </a:p>
-        </p:txBody>
-      </p:sp>
-      <p:sp>
-        <p:nvSpPr>
-          <p:cNvPr id="4" name="Text Placeholder 3"/>
-          <p:cNvSpPr>
-            <a:spLocks noGrp="1"/>
-          </p:cNvSpPr>
-          <p:nvPr>
-            <p:ph type="body" sz="half" idx="2"/>
-          </p:nvPr>
-        </p:nvSpPr>
-        <p:spPr>
-          <a:xfrm>
-            <a:off x="1792288" y="5367338"/>
-            <a:ext cx="5486400" cy="804862"/>
-          </a:xfrm>
-        </p:spPr>
-        <p:txBody>
-          <a:bodyPr/>
-          <a:lstStyle>
-            <a:lvl1pPr marL="0" indent="0">
-              <a:buNone/>
-              <a:defRPr sz="1400"/>
-            </a:lvl1pPr>
-            <a:lvl2pPr marL="457200" indent="0">
-              <a:buNone/>
-              <a:defRPr sz="1200"/>
-            </a:lvl2pPr>
-            <a:lvl3pPr marL="914400" indent="0">
-              <a:buNone/>
-              <a:defRPr sz="1000"/>
-            </a:lvl3pPr>
-            <a:lvl4pPr marL="1371600" indent="0">
-              <a:buNone/>
-              <a:defRPr sz="900"/>
-            </a:lvl4pPr>
-            <a:lvl5pPr marL="1828800" indent="0">
-              <a:buNone/>
-              <a:defRPr sz="900"/>
-            </a:lvl5pPr>
-            <a:lvl6pPr marL="2286000" indent="0">
-              <a:buNone/>
-              <a:defRPr sz="900"/>
-            </a:lvl6pPr>
-            <a:lvl7pPr marL="2743200" indent="0">
-              <a:buNone/>
-              <a:defRPr sz="900"/>
-            </a:lvl7pPr>
-            <a:lvl8pPr marL="3200400" indent="0">
-              <a:buNone/>
-              <a:defRPr sz="900"/>
-            </a:lvl8pPr>
-            <a:lvl9pPr marL="3657600" indent="0">
-              <a:buNone/>
-              <a:defRPr sz="900"/>
-            </a:lvl9pPr>
-          </a:lstStyle>
-          <a:p>
-            <a:pPr lvl="0"/>
-            <a:r>
-              <a:rPr lang="en-US" smtClean="0"/>
-              <a:t>Click to edit Master text styles</a:t>
-            </a:r>
-          </a:p>
-        </p:txBody>
-      </p:sp>
-      <p:sp>
-        <p:nvSpPr>
-          <p:cNvPr id="5" name="Date Placeholder 4"/>
-          <p:cNvSpPr>
-            <a:spLocks noGrp="1"/>
-          </p:cNvSpPr>
-          <p:nvPr>
-            <p:ph type="dt" sz="half" idx="10"/>
-          </p:nvPr>
-        </p:nvSpPr>
-        <p:spPr/>
-        <p:txBody>
-          <a:bodyPr/>
-          <a:lstStyle/>
-          <a:p>
-            <a:fld id="{E6744CE3-0875-4B69-89C0-6F72D8139561}" type="datetimeFigureOut">
-              <a:rPr lang="en-GB" smtClean="0"/>
-              <a:t>10/04/17</a:t>
-            </a:fld>
-            <a:endParaRPr lang="en-GB"/>
-          </a:p>
-        </p:txBody>
-      </p:sp>
-      <p:sp>
-        <p:nvSpPr>
-          <p:cNvPr id="6" name="Footer Placeholder 5"/>
-          <p:cNvSpPr>
-            <a:spLocks noGrp="1"/>
-          </p:cNvSpPr>
-          <p:nvPr>
-            <p:ph type="ftr" sz="quarter" idx="11"/>
-          </p:nvPr>
-        </p:nvSpPr>
-        <p:spPr/>
-        <p:txBody>
-          <a:bodyPr/>
-          <a:lstStyle/>
-          <a:p>
-            <a:endParaRPr lang="en-GB"/>
-          </a:p>
-        </p:txBody>
-      </p:sp>
-      <p:sp>
-        <p:nvSpPr>
-          <p:cNvPr id="7" name="Slide Number Placeholder 6"/>
-          <p:cNvSpPr>
-            <a:spLocks noGrp="1"/>
-          </p:cNvSpPr>
-          <p:nvPr>
-            <p:ph type="sldNum" sz="quarter" idx="12"/>
-          </p:nvPr>
-        </p:nvSpPr>
-        <p:spPr/>
-        <p:txBody>
-          <a:bodyPr/>
-          <a:lstStyle/>
-          <a:p>
-            <a:fld id="{8DADB20D-508E-4C6D-A9E4-257D5607B0F6}" type="slidenum">
-              <a:rPr lang="en-GB" smtClean="0"/>
-              <a:t>‹#›</a:t>
-            </a:fld>
-            <a:endParaRPr lang="en-GB"/>
-          </a:p>
-        </p:txBody>
-      </p:sp>
-    </p:spTree>
-    <p:extLst>
-      <p:ext uri="{BB962C8B-B14F-4D97-AF65-F5344CB8AC3E}">
-        <p14:creationId xmlns:p14="http://schemas.microsoft.com/office/powerpoint/2010/main" val="4205470707"/>
       </p:ext>
     </p:extLst>
   </p:cSld>
@@ -2723,7 +1843,7 @@
           <a:p>
             <a:fld id="{E6744CE3-0875-4B69-89C0-6F72D8139561}" type="datetimeFigureOut">
               <a:rPr lang="en-GB" smtClean="0"/>
-              <a:t>10/04/17</a:t>
+              <a:t>26/05/17</a:t>
             </a:fld>
             <a:endParaRPr lang="en-GB"/>
           </a:p>
@@ -2823,10 +1943,6 @@
     <p:sldLayoutId id="2147483653" r:id="rId5"/>
     <p:sldLayoutId id="2147483654" r:id="rId6"/>
     <p:sldLayoutId id="2147483655" r:id="rId7"/>
-    <p:sldLayoutId id="2147483656" r:id="rId8"/>
-    <p:sldLayoutId id="2147483657" r:id="rId9"/>
-    <p:sldLayoutId id="2147483658" r:id="rId10"/>
-    <p:sldLayoutId id="2147483659" r:id="rId11"/>
   </p:sldLayoutIdLst>
   <p:txStyles>
     <p:titleStyle>

--- a/articles/assets/pptx/ph_with_table.pptx
+++ b/articles/assets/pptx/ph_with_table.pptx
@@ -2199,7 +2199,7 @@
 
 <file path=ppt/slides/slide1.xml><?xml version="1.0" encoding="utf-8"?>
 <p:sld xmlns:a="http://schemas.openxmlformats.org/drawingml/2006/main" xmlns:r="http://schemas.openxmlformats.org/officeDocument/2006/relationships" xmlns:p="http://schemas.openxmlformats.org/presentationml/2006/main">
-  <p:cSld name="Title and Content">
+  <p:cSld>
     <p:spTree>
       <p:nvGrpSpPr>
         <p:cNvPr id="1" name=""/>
@@ -3111,11 +3111,6 @@
         </a:graphic>
       </p:graphicFrame>
     </p:spTree>
-    <p:extLst>
-      <p:ext uri="{BB962C8B-B14F-4D97-AF65-F5344CB8AC3E}">
-        <p14:creationId xmlns:p14="http://schemas.microsoft.com/office/powerpoint/2010/main" val="271576982"/>
-      </p:ext>
-    </p:extLst>
   </p:cSld>
   <p:clrMapOvr>
     <a:masterClrMapping/>
